--- a/Защита проекта.pptx
+++ b/Защита проекта.pptx
@@ -6,9 +6,8 @@
   </p:sldMasterIdLst>
   <p:sldIdLst>
     <p:sldId id="256" r:id="rId2"/>
-    <p:sldId id="257" r:id="rId3"/>
-    <p:sldId id="258" r:id="rId4"/>
-    <p:sldId id="259" r:id="rId5"/>
+    <p:sldId id="258" r:id="rId3"/>
+    <p:sldId id="259" r:id="rId4"/>
   </p:sldIdLst>
   <p:sldSz cx="12192000" cy="6858000"/>
   <p:notesSz cx="6858000" cy="9144000"/>
@@ -107,6 +106,11 @@
       </a:defRPr>
     </a:lvl9pPr>
   </p:defaultTextStyle>
+  <p:extLst>
+    <p:ext uri="{EFAFB233-063F-42B5-8137-9DF3F51BA10A}">
+      <p15:sldGuideLst xmlns:p15="http://schemas.microsoft.com/office/powerpoint/2012/main"/>
+    </p:ext>
+  </p:extLst>
 </p:presentation>
 </file>
 
@@ -832,7 +836,7 @@
           <a:p>
             <a:fld id="{4CFCCE93-42CB-47CB-9CA0-CC947AEB0C7C}" type="datetimeFigureOut">
               <a:rPr lang="ru-RU" smtClean="0"/>
-              <a:t>10.01.2022</a:t>
+              <a:t>17.01.2022</a:t>
             </a:fld>
             <a:endParaRPr lang="ru-RU"/>
           </a:p>
@@ -1083,7 +1087,7 @@
           <a:p>
             <a:fld id="{4CFCCE93-42CB-47CB-9CA0-CC947AEB0C7C}" type="datetimeFigureOut">
               <a:rPr lang="ru-RU" smtClean="0"/>
-              <a:t>10.01.2022</a:t>
+              <a:t>17.01.2022</a:t>
             </a:fld>
             <a:endParaRPr lang="ru-RU"/>
           </a:p>
@@ -1397,7 +1401,7 @@
           <a:p>
             <a:fld id="{4CFCCE93-42CB-47CB-9CA0-CC947AEB0C7C}" type="datetimeFigureOut">
               <a:rPr lang="ru-RU" smtClean="0"/>
-              <a:t>10.01.2022</a:t>
+              <a:t>17.01.2022</a:t>
             </a:fld>
             <a:endParaRPr lang="ru-RU"/>
           </a:p>
@@ -1738,7 +1742,7 @@
           <a:p>
             <a:fld id="{4CFCCE93-42CB-47CB-9CA0-CC947AEB0C7C}" type="datetimeFigureOut">
               <a:rPr lang="ru-RU" smtClean="0"/>
-              <a:t>10.01.2022</a:t>
+              <a:t>17.01.2022</a:t>
             </a:fld>
             <a:endParaRPr lang="ru-RU"/>
           </a:p>
@@ -2052,7 +2056,7 @@
           <a:p>
             <a:fld id="{4CFCCE93-42CB-47CB-9CA0-CC947AEB0C7C}" type="datetimeFigureOut">
               <a:rPr lang="ru-RU" smtClean="0"/>
-              <a:t>10.01.2022</a:t>
+              <a:t>17.01.2022</a:t>
             </a:fld>
             <a:endParaRPr lang="ru-RU"/>
           </a:p>
@@ -2445,7 +2449,7 @@
           <a:p>
             <a:fld id="{4CFCCE93-42CB-47CB-9CA0-CC947AEB0C7C}" type="datetimeFigureOut">
               <a:rPr lang="ru-RU" smtClean="0"/>
-              <a:t>10.01.2022</a:t>
+              <a:t>17.01.2022</a:t>
             </a:fld>
             <a:endParaRPr lang="ru-RU"/>
           </a:p>
@@ -2615,7 +2619,7 @@
           <a:p>
             <a:fld id="{4CFCCE93-42CB-47CB-9CA0-CC947AEB0C7C}" type="datetimeFigureOut">
               <a:rPr lang="ru-RU" smtClean="0"/>
-              <a:t>10.01.2022</a:t>
+              <a:t>17.01.2022</a:t>
             </a:fld>
             <a:endParaRPr lang="ru-RU"/>
           </a:p>
@@ -2795,7 +2799,7 @@
           <a:p>
             <a:fld id="{4CFCCE93-42CB-47CB-9CA0-CC947AEB0C7C}" type="datetimeFigureOut">
               <a:rPr lang="ru-RU" smtClean="0"/>
-              <a:t>10.01.2022</a:t>
+              <a:t>17.01.2022</a:t>
             </a:fld>
             <a:endParaRPr lang="ru-RU"/>
           </a:p>
@@ -2971,7 +2975,7 @@
           <a:p>
             <a:fld id="{4CFCCE93-42CB-47CB-9CA0-CC947AEB0C7C}" type="datetimeFigureOut">
               <a:rPr lang="ru-RU" smtClean="0"/>
-              <a:t>10.01.2022</a:t>
+              <a:t>17.01.2022</a:t>
             </a:fld>
             <a:endParaRPr lang="ru-RU"/>
           </a:p>
@@ -3218,7 +3222,7 @@
           <a:p>
             <a:fld id="{4CFCCE93-42CB-47CB-9CA0-CC947AEB0C7C}" type="datetimeFigureOut">
               <a:rPr lang="ru-RU" smtClean="0"/>
-              <a:t>10.01.2022</a:t>
+              <a:t>17.01.2022</a:t>
             </a:fld>
             <a:endParaRPr lang="ru-RU"/>
           </a:p>
@@ -3450,7 +3454,7 @@
           <a:p>
             <a:fld id="{4CFCCE93-42CB-47CB-9CA0-CC947AEB0C7C}" type="datetimeFigureOut">
               <a:rPr lang="ru-RU" smtClean="0"/>
-              <a:t>10.01.2022</a:t>
+              <a:t>17.01.2022</a:t>
             </a:fld>
             <a:endParaRPr lang="ru-RU"/>
           </a:p>
@@ -3824,7 +3828,7 @@
           <a:p>
             <a:fld id="{4CFCCE93-42CB-47CB-9CA0-CC947AEB0C7C}" type="datetimeFigureOut">
               <a:rPr lang="ru-RU" smtClean="0"/>
-              <a:t>10.01.2022</a:t>
+              <a:t>17.01.2022</a:t>
             </a:fld>
             <a:endParaRPr lang="ru-RU"/>
           </a:p>
@@ -3947,7 +3951,7 @@
           <a:p>
             <a:fld id="{4CFCCE93-42CB-47CB-9CA0-CC947AEB0C7C}" type="datetimeFigureOut">
               <a:rPr lang="ru-RU" smtClean="0"/>
-              <a:t>10.01.2022</a:t>
+              <a:t>17.01.2022</a:t>
             </a:fld>
             <a:endParaRPr lang="ru-RU"/>
           </a:p>
@@ -4042,7 +4046,7 @@
           <a:p>
             <a:fld id="{4CFCCE93-42CB-47CB-9CA0-CC947AEB0C7C}" type="datetimeFigureOut">
               <a:rPr lang="ru-RU" smtClean="0"/>
-              <a:t>10.01.2022</a:t>
+              <a:t>17.01.2022</a:t>
             </a:fld>
             <a:endParaRPr lang="ru-RU"/>
           </a:p>
@@ -4297,7 +4301,7 @@
           <a:p>
             <a:fld id="{4CFCCE93-42CB-47CB-9CA0-CC947AEB0C7C}" type="datetimeFigureOut">
               <a:rPr lang="ru-RU" smtClean="0"/>
-              <a:t>10.01.2022</a:t>
+              <a:t>17.01.2022</a:t>
             </a:fld>
             <a:endParaRPr lang="ru-RU"/>
           </a:p>
@@ -4560,7 +4564,7 @@
           <a:p>
             <a:fld id="{4CFCCE93-42CB-47CB-9CA0-CC947AEB0C7C}" type="datetimeFigureOut">
               <a:rPr lang="ru-RU" smtClean="0"/>
-              <a:t>10.01.2022</a:t>
+              <a:t>17.01.2022</a:t>
             </a:fld>
             <a:endParaRPr lang="ru-RU"/>
           </a:p>
@@ -5303,7 +5307,7 @@
           <a:p>
             <a:fld id="{4CFCCE93-42CB-47CB-9CA0-CC947AEB0C7C}" type="datetimeFigureOut">
               <a:rPr lang="ru-RU" smtClean="0"/>
-              <a:t>10.01.2022</a:t>
+              <a:t>17.01.2022</a:t>
             </a:fld>
             <a:endParaRPr lang="ru-RU"/>
           </a:p>
@@ -5995,7 +5999,7 @@
       </p:grpSpPr>
       <p:sp>
         <p:nvSpPr>
-          <p:cNvPr id="4" name="Заголовок 3"/>
+          <p:cNvPr id="2" name="Заголовок 1"/>
           <p:cNvSpPr>
             <a:spLocks noGrp="1"/>
           </p:cNvSpPr>
@@ -6003,92 +6007,12 @@
             <p:ph type="title"/>
           </p:nvPr>
         </p:nvSpPr>
-        <p:spPr/>
-        <p:txBody>
-          <a:bodyPr/>
-          <a:lstStyle/>
-          <a:p>
-            <a:pPr algn="ctr"/>
-            <a:r>
-              <a:rPr lang="ru-RU" dirty="0" smtClean="0"/>
-              <a:t>Авторизация</a:t>
-            </a:r>
-            <a:endParaRPr lang="ru-RU" dirty="0"/>
-          </a:p>
-        </p:txBody>
-      </p:sp>
-      <p:pic>
-        <p:nvPicPr>
-          <p:cNvPr id="5" name="Рисунок 4"/>
-          <p:cNvPicPr>
-            <a:picLocks noChangeAspect="1"/>
-          </p:cNvPicPr>
-          <p:nvPr/>
-        </p:nvPicPr>
-        <p:blipFill>
-          <a:blip r:embed="rId2"/>
-          <a:stretch>
-            <a:fillRect/>
-          </a:stretch>
-        </p:blipFill>
         <p:spPr>
           <a:xfrm>
-            <a:off x="2336800" y="1421539"/>
-            <a:ext cx="5614987" cy="5088798"/>
+            <a:off x="651934" y="101600"/>
+            <a:ext cx="8596668" cy="1320800"/>
           </a:xfrm>
-          <a:prstGeom prst="rect">
-            <a:avLst/>
-          </a:prstGeom>
         </p:spPr>
-      </p:pic>
-    </p:spTree>
-    <p:extLst>
-      <p:ext uri="{BB962C8B-B14F-4D97-AF65-F5344CB8AC3E}">
-        <p14:creationId xmlns:p14="http://schemas.microsoft.com/office/powerpoint/2010/main" val="1782631744"/>
-      </p:ext>
-    </p:extLst>
-  </p:cSld>
-  <p:clrMapOvr>
-    <a:masterClrMapping/>
-  </p:clrMapOvr>
-  <p:timing>
-    <p:tnLst>
-      <p:par>
-        <p:cTn id="1" dur="indefinite" restart="never" nodeType="tmRoot"/>
-      </p:par>
-    </p:tnLst>
-  </p:timing>
-</p:sld>
-</file>
-
-<file path=ppt/slides/slide3.xml><?xml version="1.0" encoding="utf-8"?>
-<p:sld xmlns:a="http://schemas.openxmlformats.org/drawingml/2006/main" xmlns:r="http://schemas.openxmlformats.org/officeDocument/2006/relationships" xmlns:p="http://schemas.openxmlformats.org/presentationml/2006/main">
-  <p:cSld>
-    <p:spTree>
-      <p:nvGrpSpPr>
-        <p:cNvPr id="1" name=""/>
-        <p:cNvGrpSpPr/>
-        <p:nvPr/>
-      </p:nvGrpSpPr>
-      <p:grpSpPr>
-        <a:xfrm>
-          <a:off x="0" y="0"/>
-          <a:ext cx="0" cy="0"/>
-          <a:chOff x="0" y="0"/>
-          <a:chExt cx="0" cy="0"/>
-        </a:xfrm>
-      </p:grpSpPr>
-      <p:sp>
-        <p:nvSpPr>
-          <p:cNvPr id="2" name="Заголовок 1"/>
-          <p:cNvSpPr>
-            <a:spLocks noGrp="1"/>
-          </p:cNvSpPr>
-          <p:nvPr>
-            <p:ph type="title"/>
-          </p:nvPr>
-        </p:nvSpPr>
-        <p:spPr/>
         <p:txBody>
           <a:bodyPr/>
           <a:lstStyle/>
@@ -6146,7 +6070,7 @@
 </p:sld>
 </file>
 
-<file path=ppt/slides/slide4.xml><?xml version="1.0" encoding="utf-8"?>
+<file path=ppt/slides/slide3.xml><?xml version="1.0" encoding="utf-8"?>
 <p:sld xmlns:a="http://schemas.openxmlformats.org/drawingml/2006/main" xmlns:r="http://schemas.openxmlformats.org/officeDocument/2006/relationships" xmlns:p="http://schemas.openxmlformats.org/presentationml/2006/main">
   <p:cSld>
     <p:spTree>
@@ -6173,7 +6097,12 @@
             <p:ph type="title"/>
           </p:nvPr>
         </p:nvSpPr>
-        <p:spPr/>
+        <p:spPr>
+          <a:xfrm>
+            <a:off x="565766" y="0"/>
+            <a:ext cx="8596668" cy="1320800"/>
+          </a:xfrm>
+        </p:spPr>
         <p:txBody>
           <a:bodyPr/>
           <a:lstStyle/>
